--- a/project2.pptx
+++ b/project2.pptx
@@ -1,6 +1,6 @@
 
 <file path=ppt/presentation.xml><?xml version="1.0" encoding="utf-8"?>
-<p:presentation xmlns:a="http://schemas.openxmlformats.org/drawingml/2006/main" xmlns:r="http://schemas.openxmlformats.org/officeDocument/2006/relationships" xmlns:p="http://schemas.openxmlformats.org/presentationml/2006/main" saveSubsetFonts="1">
+<p:presentation xmlns:a="http://schemas.openxmlformats.org/drawingml/2006/main" xmlns:r="http://schemas.openxmlformats.org/officeDocument/2006/relationships" xmlns:p="http://schemas.openxmlformats.org/presentationml/2006/main" embedTrueTypeFonts="1" saveSubsetFonts="1">
   <p:sldMasterIdLst>
     <p:sldMasterId id="2147483648" r:id="rId4"/>
   </p:sldMasterIdLst>
@@ -22,6 +22,17 @@
   </p:sldIdLst>
   <p:sldSz cx="12192000" cy="6858000"/>
   <p:notesSz cx="6858000" cy="9144000"/>
+  <p:embeddedFontLst>
+    <p:embeddedFont>
+      <p:font typeface="나눔스퀘어_ac" panose="020B0600000101010101" pitchFamily="50" charset="-127"/>
+      <p:regular r:id="rId19"/>
+    </p:embeddedFont>
+    <p:embeddedFont>
+      <p:font typeface="맑은 고딕" panose="020B0503020000020004" pitchFamily="50" charset="-127"/>
+      <p:regular r:id="rId20"/>
+      <p:bold r:id="rId21"/>
+    </p:embeddedFont>
+  </p:embeddedFontLst>
   <p:defaultTextStyle>
     <a:defPPr>
       <a:defRPr lang="ko-KR"/>
@@ -280,7 +291,7 @@
           <a:p>
             <a:fld id="{3074FB50-E614-4DFA-B99C-78E153436519}" type="datetimeFigureOut">
               <a:rPr lang="ko-KR" altLang="en-US" smtClean="0"/>
-              <a:t>2020-11-16</a:t>
+              <a:t>2020-11-17</a:t>
             </a:fld>
             <a:endParaRPr lang="ko-KR" altLang="en-US"/>
           </a:p>
@@ -478,7 +489,7 @@
           <a:p>
             <a:fld id="{3074FB50-E614-4DFA-B99C-78E153436519}" type="datetimeFigureOut">
               <a:rPr lang="ko-KR" altLang="en-US" smtClean="0"/>
-              <a:t>2020-11-16</a:t>
+              <a:t>2020-11-17</a:t>
             </a:fld>
             <a:endParaRPr lang="ko-KR" altLang="en-US"/>
           </a:p>
@@ -686,7 +697,7 @@
           <a:p>
             <a:fld id="{3074FB50-E614-4DFA-B99C-78E153436519}" type="datetimeFigureOut">
               <a:rPr lang="ko-KR" altLang="en-US" smtClean="0"/>
-              <a:t>2020-11-16</a:t>
+              <a:t>2020-11-17</a:t>
             </a:fld>
             <a:endParaRPr lang="ko-KR" altLang="en-US"/>
           </a:p>
@@ -884,7 +895,7 @@
           <a:p>
             <a:fld id="{3074FB50-E614-4DFA-B99C-78E153436519}" type="datetimeFigureOut">
               <a:rPr lang="ko-KR" altLang="en-US" smtClean="0"/>
-              <a:t>2020-11-16</a:t>
+              <a:t>2020-11-17</a:t>
             </a:fld>
             <a:endParaRPr lang="ko-KR" altLang="en-US"/>
           </a:p>
@@ -1159,7 +1170,7 @@
           <a:p>
             <a:fld id="{3074FB50-E614-4DFA-B99C-78E153436519}" type="datetimeFigureOut">
               <a:rPr lang="ko-KR" altLang="en-US" smtClean="0"/>
-              <a:t>2020-11-16</a:t>
+              <a:t>2020-11-17</a:t>
             </a:fld>
             <a:endParaRPr lang="ko-KR" altLang="en-US"/>
           </a:p>
@@ -1424,7 +1435,7 @@
           <a:p>
             <a:fld id="{3074FB50-E614-4DFA-B99C-78E153436519}" type="datetimeFigureOut">
               <a:rPr lang="ko-KR" altLang="en-US" smtClean="0"/>
-              <a:t>2020-11-16</a:t>
+              <a:t>2020-11-17</a:t>
             </a:fld>
             <a:endParaRPr lang="ko-KR" altLang="en-US"/>
           </a:p>
@@ -1836,7 +1847,7 @@
           <a:p>
             <a:fld id="{3074FB50-E614-4DFA-B99C-78E153436519}" type="datetimeFigureOut">
               <a:rPr lang="ko-KR" altLang="en-US" smtClean="0"/>
-              <a:t>2020-11-16</a:t>
+              <a:t>2020-11-17</a:t>
             </a:fld>
             <a:endParaRPr lang="ko-KR" altLang="en-US"/>
           </a:p>
@@ -1977,7 +1988,7 @@
           <a:p>
             <a:fld id="{3074FB50-E614-4DFA-B99C-78E153436519}" type="datetimeFigureOut">
               <a:rPr lang="ko-KR" altLang="en-US" smtClean="0"/>
-              <a:t>2020-11-16</a:t>
+              <a:t>2020-11-17</a:t>
             </a:fld>
             <a:endParaRPr lang="ko-KR" altLang="en-US"/>
           </a:p>
@@ -2090,7 +2101,7 @@
           <a:p>
             <a:fld id="{3074FB50-E614-4DFA-B99C-78E153436519}" type="datetimeFigureOut">
               <a:rPr lang="ko-KR" altLang="en-US" smtClean="0"/>
-              <a:t>2020-11-16</a:t>
+              <a:t>2020-11-17</a:t>
             </a:fld>
             <a:endParaRPr lang="ko-KR" altLang="en-US"/>
           </a:p>
@@ -2401,7 +2412,7 @@
           <a:p>
             <a:fld id="{3074FB50-E614-4DFA-B99C-78E153436519}" type="datetimeFigureOut">
               <a:rPr lang="ko-KR" altLang="en-US" smtClean="0"/>
-              <a:t>2020-11-16</a:t>
+              <a:t>2020-11-17</a:t>
             </a:fld>
             <a:endParaRPr lang="ko-KR" altLang="en-US"/>
           </a:p>
@@ -2689,7 +2700,7 @@
           <a:p>
             <a:fld id="{3074FB50-E614-4DFA-B99C-78E153436519}" type="datetimeFigureOut">
               <a:rPr lang="ko-KR" altLang="en-US" smtClean="0"/>
-              <a:t>2020-11-16</a:t>
+              <a:t>2020-11-17</a:t>
             </a:fld>
             <a:endParaRPr lang="ko-KR" altLang="en-US"/>
           </a:p>
@@ -2930,7 +2941,7 @@
           <a:p>
             <a:fld id="{3074FB50-E614-4DFA-B99C-78E153436519}" type="datetimeFigureOut">
               <a:rPr lang="ko-KR" altLang="en-US" smtClean="0"/>
-              <a:t>2020-11-16</a:t>
+              <a:t>2020-11-17</a:t>
             </a:fld>
             <a:endParaRPr lang="ko-KR" altLang="en-US"/>
           </a:p>
@@ -13591,6 +13602,12 @@
 </file>
 
 <file path=customXml/item2.xml><?xml version="1.0" encoding="utf-8"?>
+<p:properties xmlns:p="http://schemas.microsoft.com/office/2006/metadata/properties" xmlns:xsi="http://www.w3.org/2001/XMLSchema-instance" xmlns:pc="http://schemas.microsoft.com/office/infopath/2007/PartnerControls">
+  <documentManagement/>
+</p:properties>
+</file>
+
+<file path=customXml/item3.xml><?xml version="1.0" encoding="utf-8"?>
 <ct:contentTypeSchema xmlns:ct="http://schemas.microsoft.com/office/2006/metadata/contentType" xmlns:ma="http://schemas.microsoft.com/office/2006/metadata/properties/metaAttributes" ct:_="" ma:_="" ma:contentTypeName="문서" ma:contentTypeID="0x010100FB60D32AE0FF6B4AAC1C70A01D40C550" ma:contentTypeVersion="5" ma:contentTypeDescription="새 문서를 만듭니다." ma:contentTypeScope="" ma:versionID="ff709197c0af72b0c233f3d33116846e">
   <xsd:schema xmlns:xsd="http://www.w3.org/2001/XMLSchema" xmlns:xs="http://www.w3.org/2001/XMLSchema" xmlns:p="http://schemas.microsoft.com/office/2006/metadata/properties" xmlns:ns3="940c04c6-17a8-4f87-a54e-67673ec54cc7" xmlns:ns4="a0aeb404-b68a-447a-8c53-e5a820c1634a" targetNamespace="http://schemas.microsoft.com/office/2006/metadata/properties" ma:root="true" ma:fieldsID="6723252df3a0323fac0068257719a17d" ns3:_="" ns4:_="">
     <xsd:import namespace="940c04c6-17a8-4f87-a54e-67673ec54cc7"/>
@@ -13761,12 +13778,6 @@
 </ct:contentTypeSchema>
 </file>
 
-<file path=customXml/item3.xml><?xml version="1.0" encoding="utf-8"?>
-<p:properties xmlns:p="http://schemas.microsoft.com/office/2006/metadata/properties" xmlns:xsi="http://www.w3.org/2001/XMLSchema-instance" xmlns:pc="http://schemas.microsoft.com/office/infopath/2007/PartnerControls">
-  <documentManagement/>
-</p:properties>
-</file>
-
 <file path=customXml/itemProps1.xml><?xml version="1.0" encoding="utf-8"?>
 <ds:datastoreItem xmlns:ds="http://schemas.openxmlformats.org/officeDocument/2006/customXml" ds:itemID="{F3E25615-1670-454D-85D2-DC63755E9C08}">
   <ds:schemaRefs>
@@ -13776,6 +13787,23 @@
 </file>
 
 <file path=customXml/itemProps2.xml><?xml version="1.0" encoding="utf-8"?>
+<ds:datastoreItem xmlns:ds="http://schemas.openxmlformats.org/officeDocument/2006/customXml" ds:itemID="{C48C9F19-EB50-4BB9-94A8-EC7F44E0957C}">
+  <ds:schemaRefs>
+    <ds:schemaRef ds:uri="http://schemas.microsoft.com/office/infopath/2007/PartnerControls"/>
+    <ds:schemaRef ds:uri="940c04c6-17a8-4f87-a54e-67673ec54cc7"/>
+    <ds:schemaRef ds:uri="http://schemas.microsoft.com/office/2006/metadata/properties"/>
+    <ds:schemaRef ds:uri="http://purl.org/dc/terms/"/>
+    <ds:schemaRef ds:uri="http://purl.org/dc/elements/1.1/"/>
+    <ds:schemaRef ds:uri="http://www.w3.org/XML/1998/namespace"/>
+    <ds:schemaRef ds:uri="http://schemas.microsoft.com/office/2006/documentManagement/types"/>
+    <ds:schemaRef ds:uri="a0aeb404-b68a-447a-8c53-e5a820c1634a"/>
+    <ds:schemaRef ds:uri="http://schemas.openxmlformats.org/package/2006/metadata/core-properties"/>
+    <ds:schemaRef ds:uri="http://purl.org/dc/dcmitype/"/>
+  </ds:schemaRefs>
+</ds:datastoreItem>
+</file>
+
+<file path=customXml/itemProps3.xml><?xml version="1.0" encoding="utf-8"?>
 <ds:datastoreItem xmlns:ds="http://schemas.openxmlformats.org/officeDocument/2006/customXml" ds:itemID="{E9658D47-A058-4167-A867-D967CDED48DF}">
   <ds:schemaRefs>
     <ds:schemaRef ds:uri="http://schemas.microsoft.com/office/2006/metadata/contentType"/>
@@ -13792,21 +13820,4 @@
     <ds:schemaRef ds:uri="http://schemas.microsoft.com/internal/obd"/>
   </ds:schemaRefs>
 </ds:datastoreItem>
-</file>
-
-<file path=customXml/itemProps3.xml><?xml version="1.0" encoding="utf-8"?>
-<ds:datastoreItem xmlns:ds="http://schemas.openxmlformats.org/officeDocument/2006/customXml" ds:itemID="{C48C9F19-EB50-4BB9-94A8-EC7F44E0957C}">
-  <ds:schemaRefs>
-    <ds:schemaRef ds:uri="http://schemas.microsoft.com/office/infopath/2007/PartnerControls"/>
-    <ds:schemaRef ds:uri="940c04c6-17a8-4f87-a54e-67673ec54cc7"/>
-    <ds:schemaRef ds:uri="http://schemas.microsoft.com/office/2006/metadata/properties"/>
-    <ds:schemaRef ds:uri="http://purl.org/dc/terms/"/>
-    <ds:schemaRef ds:uri="http://purl.org/dc/elements/1.1/"/>
-    <ds:schemaRef ds:uri="http://www.w3.org/XML/1998/namespace"/>
-    <ds:schemaRef ds:uri="http://schemas.microsoft.com/office/2006/documentManagement/types"/>
-    <ds:schemaRef ds:uri="a0aeb404-b68a-447a-8c53-e5a820c1634a"/>
-    <ds:schemaRef ds:uri="http://schemas.openxmlformats.org/package/2006/metadata/core-properties"/>
-    <ds:schemaRef ds:uri="http://purl.org/dc/dcmitype/"/>
-  </ds:schemaRefs>
-</ds:datastoreItem>
 </file>